--- a/PPTs/AgendaIntroBM.pptx
+++ b/PPTs/AgendaIntroBM.pptx
@@ -115,6 +115,11 @@
       </a:defRPr>
     </a:lvl9pPr>
   </p:defaultTextStyle>
+  <p:extLst>
+    <p:ext uri="{EFAFB233-063F-42B5-8137-9DF3F51BA10A}">
+      <p15:sldGuideLst xmlns:p15="http://schemas.microsoft.com/office/powerpoint/2012/main"/>
+    </p:ext>
+  </p:extLst>
 </p:presentation>
 </file>
 
@@ -267,7 +272,7 @@
           <a:p>
             <a:fld id="{A711169C-1269-4DF1-8540-261493FD2221}" type="datetimeFigureOut">
               <a:rPr lang="es-EC" smtClean="0"/>
-              <a:t>2021-10-26</a:t>
+              <a:t>2021-10-27</a:t>
             </a:fld>
             <a:endParaRPr lang="es-EC"/>
           </a:p>
@@ -467,7 +472,7 @@
           <a:p>
             <a:fld id="{A711169C-1269-4DF1-8540-261493FD2221}" type="datetimeFigureOut">
               <a:rPr lang="es-EC" smtClean="0"/>
-              <a:t>2021-10-26</a:t>
+              <a:t>2021-10-27</a:t>
             </a:fld>
             <a:endParaRPr lang="es-EC"/>
           </a:p>
@@ -677,7 +682,7 @@
           <a:p>
             <a:fld id="{A711169C-1269-4DF1-8540-261493FD2221}" type="datetimeFigureOut">
               <a:rPr lang="es-EC" smtClean="0"/>
-              <a:t>2021-10-26</a:t>
+              <a:t>2021-10-27</a:t>
             </a:fld>
             <a:endParaRPr lang="es-EC"/>
           </a:p>
@@ -877,7 +882,7 @@
           <a:p>
             <a:fld id="{A711169C-1269-4DF1-8540-261493FD2221}" type="datetimeFigureOut">
               <a:rPr lang="es-EC" smtClean="0"/>
-              <a:t>2021-10-26</a:t>
+              <a:t>2021-10-27</a:t>
             </a:fld>
             <a:endParaRPr lang="es-EC"/>
           </a:p>
@@ -1153,7 +1158,7 @@
           <a:p>
             <a:fld id="{A711169C-1269-4DF1-8540-261493FD2221}" type="datetimeFigureOut">
               <a:rPr lang="es-EC" smtClean="0"/>
-              <a:t>2021-10-26</a:t>
+              <a:t>2021-10-27</a:t>
             </a:fld>
             <a:endParaRPr lang="es-EC"/>
           </a:p>
@@ -1421,7 +1426,7 @@
           <a:p>
             <a:fld id="{A711169C-1269-4DF1-8540-261493FD2221}" type="datetimeFigureOut">
               <a:rPr lang="es-EC" smtClean="0"/>
-              <a:t>2021-10-26</a:t>
+              <a:t>2021-10-27</a:t>
             </a:fld>
             <a:endParaRPr lang="es-EC"/>
           </a:p>
@@ -1836,7 +1841,7 @@
           <a:p>
             <a:fld id="{A711169C-1269-4DF1-8540-261493FD2221}" type="datetimeFigureOut">
               <a:rPr lang="es-EC" smtClean="0"/>
-              <a:t>2021-10-26</a:t>
+              <a:t>2021-10-27</a:t>
             </a:fld>
             <a:endParaRPr lang="es-EC"/>
           </a:p>
@@ -1978,7 +1983,7 @@
           <a:p>
             <a:fld id="{A711169C-1269-4DF1-8540-261493FD2221}" type="datetimeFigureOut">
               <a:rPr lang="es-EC" smtClean="0"/>
-              <a:t>2021-10-26</a:t>
+              <a:t>2021-10-27</a:t>
             </a:fld>
             <a:endParaRPr lang="es-EC"/>
           </a:p>
@@ -2091,7 +2096,7 @@
           <a:p>
             <a:fld id="{A711169C-1269-4DF1-8540-261493FD2221}" type="datetimeFigureOut">
               <a:rPr lang="es-EC" smtClean="0"/>
-              <a:t>2021-10-26</a:t>
+              <a:t>2021-10-27</a:t>
             </a:fld>
             <a:endParaRPr lang="es-EC"/>
           </a:p>
@@ -2404,7 +2409,7 @@
           <a:p>
             <a:fld id="{A711169C-1269-4DF1-8540-261493FD2221}" type="datetimeFigureOut">
               <a:rPr lang="es-EC" smtClean="0"/>
-              <a:t>2021-10-26</a:t>
+              <a:t>2021-10-27</a:t>
             </a:fld>
             <a:endParaRPr lang="es-EC"/>
           </a:p>
@@ -2693,7 +2698,7 @@
           <a:p>
             <a:fld id="{A711169C-1269-4DF1-8540-261493FD2221}" type="datetimeFigureOut">
               <a:rPr lang="es-EC" smtClean="0"/>
-              <a:t>2021-10-26</a:t>
+              <a:t>2021-10-27</a:t>
             </a:fld>
             <a:endParaRPr lang="es-EC"/>
           </a:p>
@@ -2936,7 +2941,7 @@
           <a:p>
             <a:fld id="{A711169C-1269-4DF1-8540-261493FD2221}" type="datetimeFigureOut">
               <a:rPr lang="es-EC" smtClean="0"/>
-              <a:t>2021-10-26</a:t>
+              <a:t>2021-10-27</a:t>
             </a:fld>
             <a:endParaRPr lang="es-EC"/>
           </a:p>
@@ -3404,7 +3409,7 @@
           <a:bodyPr/>
           <a:lstStyle/>
           <a:p>
-            <a:endParaRPr lang="es-EC"/>
+            <a:endParaRPr lang="es-EC" dirty="0"/>
           </a:p>
         </p:txBody>
       </p:sp>
@@ -4070,7 +4075,7 @@
         </p:spPr>
         <p:txBody>
           <a:bodyPr>
-            <a:normAutofit fontScale="77500" lnSpcReduction="20000"/>
+            <a:normAutofit fontScale="55000" lnSpcReduction="20000"/>
           </a:bodyPr>
           <a:lstStyle/>
           <a:p>
@@ -4112,6 +4117,12 @@
             </a:r>
           </a:p>
           <a:p>
+            <a:r>
+              <a:rPr lang="es-EC" dirty="0"/>
+              <a:t>Cargar y modificar Datos en tiempo de ejecución</a:t>
+            </a:r>
+          </a:p>
+          <a:p>
             <a:endParaRPr lang="es-EC" dirty="0"/>
           </a:p>
           <a:p>
@@ -4133,8 +4144,8 @@
         </p:nvSpPr>
         <p:spPr>
           <a:xfrm>
-            <a:off x="838200" y="3151188"/>
-            <a:ext cx="6494535" cy="2862322"/>
+            <a:off x="838200" y="3008575"/>
+            <a:ext cx="10311605" cy="3693319"/>
           </a:xfrm>
           <a:prstGeom prst="rect">
             <a:avLst/>
@@ -4167,13 +4178,7 @@
           <a:p>
             <a:r>
               <a:rPr lang="es-EC" dirty="0"/>
-              <a:t>Texto que valida el numero de caracteres según el tipo de Teléfono</a:t>
-            </a:r>
-          </a:p>
-          <a:p>
-            <a:r>
-              <a:rPr lang="es-EC" dirty="0"/>
-              <a:t>Campo de Correo</a:t>
+              <a:t>Texto que valida el número de caracteres según el tipo de Teléfono</a:t>
             </a:r>
           </a:p>
           <a:p>
@@ -4187,6 +4192,42 @@
               <a:rPr lang="es-EC" dirty="0"/>
               <a:t>Campo Confirmar Contraseña</a:t>
             </a:r>
+          </a:p>
+          <a:p>
+            <a:r>
+              <a:rPr lang="es-EC" dirty="0"/>
+              <a:t>Campo Fecha(Solo puedo escoger a partir de hoy 15 días en el futuro)</a:t>
+            </a:r>
+          </a:p>
+          <a:p>
+            <a:r>
+              <a:rPr lang="es-EC" dirty="0"/>
+              <a:t>Consumir Servicio de entidades financieras: </a:t>
+            </a:r>
+            <a:r>
+              <a:rPr lang="es-EC" sz="1800" dirty="0" err="1">
+                <a:solidFill>
+                  <a:srgbClr val="FF0000"/>
+                </a:solidFill>
+                <a:latin typeface="Consolas" panose="020B0609020204030204" pitchFamily="49" charset="0"/>
+              </a:rPr>
+              <a:t>ConsultarEntidadFinancieraACH</a:t>
+            </a:r>
+            <a:br>
+              <a:rPr lang="es-EC" dirty="0"/>
+            </a:br>
+            <a:r>
+              <a:rPr lang="es-EC" dirty="0"/>
+              <a:t>y presentar en una </a:t>
+            </a:r>
+            <a:r>
+              <a:rPr lang="es-EC" dirty="0" err="1"/>
+              <a:t>SelectBox</a:t>
+            </a:r>
+            <a:endParaRPr lang="es-EC" dirty="0"/>
+          </a:p>
+          <a:p>
+            <a:endParaRPr lang="es-EC" dirty="0"/>
           </a:p>
           <a:p>
             <a:r>
@@ -4217,7 +4258,10 @@
             </a:r>
           </a:p>
           <a:p>
-            <a:endParaRPr lang="es-EC" dirty="0"/>
+            <a:r>
+              <a:rPr lang="es-EC" b="1" i="1" dirty="0"/>
+              <a:t>HAS DE LA BANCA MOVIL TU AMIGA…… FAMILIARIZATE CON LA APP, SUS FLUJOS Y PANTALLAS. (PIN 2107)</a:t>
+            </a:r>
           </a:p>
         </p:txBody>
       </p:sp>
@@ -4295,15 +4339,262 @@
             <p:ph idx="1"/>
           </p:nvPr>
         </p:nvSpPr>
-        <p:spPr/>
-        <p:txBody>
-          <a:bodyPr/>
-          <a:lstStyle/>
-          <a:p>
-            <a:endParaRPr lang="es-EC"/>
-          </a:p>
-        </p:txBody>
-      </p:sp>
+        <p:spPr>
+          <a:xfrm>
+            <a:off x="838201" y="1419882"/>
+            <a:ext cx="9815818" cy="979370"/>
+          </a:xfrm>
+        </p:spPr>
+        <p:txBody>
+          <a:bodyPr>
+            <a:normAutofit fontScale="62500" lnSpcReduction="20000"/>
+          </a:bodyPr>
+          <a:lstStyle/>
+          <a:p>
+            <a:r>
+              <a:rPr lang="en-US" dirty="0" err="1"/>
+              <a:t>Parámetros</a:t>
+            </a:r>
+            <a:endParaRPr lang="en-US" dirty="0"/>
+          </a:p>
+          <a:p>
+            <a:r>
+              <a:rPr lang="en-US" dirty="0" err="1"/>
+              <a:t>Manejo</a:t>
+            </a:r>
+            <a:r>
+              <a:rPr lang="en-US" dirty="0"/>
+              <a:t> de </a:t>
+            </a:r>
+            <a:r>
+              <a:rPr lang="en-US" dirty="0" err="1"/>
+              <a:t>errores</a:t>
+            </a:r>
+            <a:endParaRPr lang="en-US" dirty="0"/>
+          </a:p>
+          <a:p>
+            <a:r>
+              <a:rPr lang="en-US" dirty="0" err="1"/>
+              <a:t>Menú</a:t>
+            </a:r>
+            <a:endParaRPr lang="en-US" dirty="0"/>
+          </a:p>
+        </p:txBody>
+      </p:sp>
+      <p:sp>
+        <p:nvSpPr>
+          <p:cNvPr id="4" name="TextBox 3">
+            <a:extLst>
+              <a:ext uri="{FF2B5EF4-FFF2-40B4-BE49-F238E27FC236}">
+                <a16:creationId xmlns:a16="http://schemas.microsoft.com/office/drawing/2014/main" id="{08867975-1252-47E2-9727-A3AD00E45423}"/>
+              </a:ext>
+            </a:extLst>
+          </p:cNvPr>
+          <p:cNvSpPr txBox="1"/>
+          <p:nvPr/>
+        </p:nvSpPr>
+        <p:spPr>
+          <a:xfrm>
+            <a:off x="521515" y="2399252"/>
+            <a:ext cx="11148969" cy="4524315"/>
+          </a:xfrm>
+          <a:prstGeom prst="rect">
+            <a:avLst/>
+          </a:prstGeom>
+          <a:noFill/>
+        </p:spPr>
+        <p:txBody>
+          <a:bodyPr wrap="square" rtlCol="0">
+            <a:spAutoFit/>
+          </a:bodyPr>
+          <a:lstStyle/>
+          <a:p>
+            <a:r>
+              <a:rPr lang="es-EC" dirty="0"/>
+              <a:t>Tarea:</a:t>
+            </a:r>
+          </a:p>
+          <a:p>
+            <a:r>
+              <a:rPr lang="es-EC" dirty="0"/>
+              <a:t>Agregar un ítem al menú (1 Padre y 1 Hijo) que redirija a una nueva vista donde se presente la lista de Entidades Financieras ACH en el siguiente formato:</a:t>
+            </a:r>
+          </a:p>
+          <a:p>
+            <a:endParaRPr lang="es-EC" dirty="0"/>
+          </a:p>
+          <a:p>
+            <a:endParaRPr lang="es-EC" dirty="0"/>
+          </a:p>
+          <a:p>
+            <a:endParaRPr lang="es-EC" dirty="0"/>
+          </a:p>
+          <a:p>
+            <a:endParaRPr lang="es-EC" dirty="0"/>
+          </a:p>
+          <a:p>
+            <a:r>
+              <a:rPr lang="es-EC" dirty="0"/>
+              <a:t>Consumir Servicio de entidades financieras: </a:t>
+            </a:r>
+            <a:r>
+              <a:rPr lang="es-EC" sz="1800" dirty="0" err="1">
+                <a:solidFill>
+                  <a:srgbClr val="FF0000"/>
+                </a:solidFill>
+                <a:latin typeface="Consolas" panose="020B0609020204030204" pitchFamily="49" charset="0"/>
+              </a:rPr>
+              <a:t>ConsultarEntidadFinancieraACH</a:t>
+            </a:r>
+            <a:r>
+              <a:rPr lang="es-EC" sz="1800" dirty="0">
+                <a:solidFill>
+                  <a:srgbClr val="FF0000"/>
+                </a:solidFill>
+                <a:latin typeface="Consolas" panose="020B0609020204030204" pitchFamily="49" charset="0"/>
+              </a:rPr>
+              <a:t> </a:t>
+            </a:r>
+            <a:r>
+              <a:rPr lang="es-EC" dirty="0"/>
+              <a:t>y presentarlo en una Lista, Cuando se de </a:t>
+            </a:r>
+            <a:r>
+              <a:rPr lang="es-EC" dirty="0" err="1"/>
+              <a:t>click</a:t>
+            </a:r>
+            <a:r>
+              <a:rPr lang="es-EC" dirty="0"/>
+              <a:t> en algún ítem deberá levantarse:</a:t>
+            </a:r>
+          </a:p>
+          <a:p>
+            <a:r>
+              <a:rPr lang="es-EC" dirty="0"/>
+              <a:t>Un </a:t>
+            </a:r>
+            <a:r>
+              <a:rPr lang="es-EC" dirty="0" err="1"/>
+              <a:t>PopUp</a:t>
+            </a:r>
+            <a:r>
+              <a:rPr lang="es-EC" dirty="0"/>
+              <a:t> con la siguiente información de la entidad a la que se le dio </a:t>
+            </a:r>
+            <a:r>
+              <a:rPr lang="es-EC" dirty="0" err="1"/>
+              <a:t>click</a:t>
+            </a:r>
+            <a:r>
+              <a:rPr lang="es-EC" dirty="0"/>
+              <a:t>:</a:t>
+            </a:r>
+          </a:p>
+          <a:p>
+            <a:r>
+              <a:rPr lang="es-EC" dirty="0"/>
+              <a:t>.</a:t>
+            </a:r>
+            <a:r>
+              <a:rPr lang="es-EC" dirty="0" err="1"/>
+              <a:t>Descripcion</a:t>
+            </a:r>
+            <a:r>
+              <a:rPr lang="es-EC" dirty="0"/>
+              <a:t> (Text)</a:t>
+            </a:r>
+          </a:p>
+          <a:p>
+            <a:r>
+              <a:rPr lang="es-EC" dirty="0"/>
+              <a:t>.</a:t>
+            </a:r>
+            <a:r>
+              <a:rPr lang="es-EC" dirty="0" err="1"/>
+              <a:t>EsRegulada</a:t>
+            </a:r>
+            <a:r>
+              <a:rPr lang="es-EC" dirty="0"/>
+              <a:t> (</a:t>
+            </a:r>
+            <a:r>
+              <a:rPr lang="es-EC" dirty="0" err="1"/>
+              <a:t>bool</a:t>
+            </a:r>
+            <a:r>
+              <a:rPr lang="es-EC" dirty="0"/>
+              <a:t>)</a:t>
+            </a:r>
+          </a:p>
+          <a:p>
+            <a:r>
+              <a:rPr lang="es-EC" dirty="0"/>
+              <a:t>.</a:t>
+            </a:r>
+            <a:r>
+              <a:rPr lang="es-EC" dirty="0" err="1"/>
+              <a:t>EsActivo</a:t>
+            </a:r>
+            <a:r>
+              <a:rPr lang="es-EC" dirty="0"/>
+              <a:t> (</a:t>
+            </a:r>
+            <a:r>
+              <a:rPr lang="es-EC" dirty="0" err="1"/>
+              <a:t>bool</a:t>
+            </a:r>
+            <a:r>
+              <a:rPr lang="es-EC" dirty="0"/>
+              <a:t>)</a:t>
+            </a:r>
+          </a:p>
+          <a:p>
+            <a:r>
+              <a:rPr lang="es-EC" dirty="0"/>
+              <a:t>.DFI(Text)</a:t>
+            </a:r>
+          </a:p>
+          <a:p>
+            <a:r>
+              <a:rPr lang="es-EC" b="1" i="1" dirty="0"/>
+              <a:t>HAS DE LA BANCA MOVIL TU AMIGA…… FAMILIARIZATE CON LA APP, SUS FLUJOS Y PANTALLAS. (PIN 2107)</a:t>
+            </a:r>
+          </a:p>
+          <a:p>
+            <a:endParaRPr lang="es-EC" dirty="0"/>
+          </a:p>
+        </p:txBody>
+      </p:sp>
+      <p:pic>
+        <p:nvPicPr>
+          <p:cNvPr id="8" name="Picture 7">
+            <a:extLst>
+              <a:ext uri="{FF2B5EF4-FFF2-40B4-BE49-F238E27FC236}">
+                <a16:creationId xmlns:a16="http://schemas.microsoft.com/office/drawing/2014/main" id="{4515A86A-99AA-4C1B-A5F7-0CEC81F32E14}"/>
+              </a:ext>
+            </a:extLst>
+          </p:cNvPr>
+          <p:cNvPicPr>
+            <a:picLocks noChangeAspect="1"/>
+          </p:cNvPicPr>
+          <p:nvPr/>
+        </p:nvPicPr>
+        <p:blipFill>
+          <a:blip r:embed="rId2"/>
+          <a:stretch>
+            <a:fillRect/>
+          </a:stretch>
+        </p:blipFill>
+        <p:spPr>
+          <a:xfrm>
+            <a:off x="4598211" y="3080316"/>
+            <a:ext cx="1718627" cy="1054062"/>
+          </a:xfrm>
+          <a:prstGeom prst="rect">
+            <a:avLst/>
+          </a:prstGeom>
+        </p:spPr>
+      </p:pic>
     </p:spTree>
     <p:extLst>
       <p:ext uri="{BB962C8B-B14F-4D97-AF65-F5344CB8AC3E}">
@@ -4382,15 +4673,697 @@
             <p:ph idx="1"/>
           </p:nvPr>
         </p:nvSpPr>
-        <p:spPr/>
-        <p:txBody>
-          <a:bodyPr/>
-          <a:lstStyle/>
-          <a:p>
-            <a:endParaRPr lang="es-EC"/>
-          </a:p>
-        </p:txBody>
-      </p:sp>
+        <p:spPr>
+          <a:xfrm>
+            <a:off x="838200" y="1456509"/>
+            <a:ext cx="10515600" cy="1571917"/>
+          </a:xfrm>
+        </p:spPr>
+        <p:txBody>
+          <a:bodyPr>
+            <a:normAutofit fontScale="92500" lnSpcReduction="20000"/>
+          </a:bodyPr>
+          <a:lstStyle/>
+          <a:p>
+            <a:r>
+              <a:rPr lang="en-US" dirty="0"/>
+              <a:t>Tec y libs de </a:t>
+            </a:r>
+            <a:r>
+              <a:rPr lang="en-US" dirty="0" err="1"/>
+              <a:t>terceros</a:t>
+            </a:r>
+            <a:r>
+              <a:rPr lang="en-US" dirty="0"/>
+              <a:t> </a:t>
+            </a:r>
+            <a:r>
+              <a:rPr lang="en-US" dirty="0" err="1"/>
+              <a:t>en</a:t>
+            </a:r>
+            <a:r>
+              <a:rPr lang="en-US" dirty="0"/>
+              <a:t> la BM (</a:t>
+            </a:r>
+            <a:r>
+              <a:rPr lang="en-US" dirty="0" err="1"/>
+              <a:t>Manejo</a:t>
+            </a:r>
+            <a:r>
+              <a:rPr lang="en-US" dirty="0"/>
+              <a:t> de </a:t>
+            </a:r>
+            <a:r>
+              <a:rPr lang="en-US" dirty="0" err="1"/>
+              <a:t>Fechas</a:t>
+            </a:r>
+            <a:r>
+              <a:rPr lang="en-US" dirty="0"/>
+              <a:t> - T</a:t>
+            </a:r>
+            <a:r>
+              <a:rPr lang="es-EC" dirty="0" err="1"/>
+              <a:t>ransporte</a:t>
+            </a:r>
+            <a:r>
+              <a:rPr lang="es-EC" dirty="0"/>
+              <a:t> – Storage – JWT</a:t>
+            </a:r>
+            <a:r>
+              <a:rPr lang="en-US" dirty="0"/>
+              <a:t>)</a:t>
+            </a:r>
+            <a:endParaRPr lang="es-EC" dirty="0"/>
+          </a:p>
+          <a:p>
+            <a:r>
+              <a:rPr lang="es-EC" dirty="0"/>
+              <a:t>Autenticación y Autorización</a:t>
+            </a:r>
+          </a:p>
+          <a:p>
+            <a:r>
+              <a:rPr lang="es-EC" dirty="0"/>
+              <a:t>Sesión</a:t>
+            </a:r>
+          </a:p>
+        </p:txBody>
+      </p:sp>
+      <p:sp>
+        <p:nvSpPr>
+          <p:cNvPr id="4" name="TextBox 3">
+            <a:extLst>
+              <a:ext uri="{FF2B5EF4-FFF2-40B4-BE49-F238E27FC236}">
+                <a16:creationId xmlns:a16="http://schemas.microsoft.com/office/drawing/2014/main" id="{7931F16B-D857-423E-8E7B-BD9EF7465B5A}"/>
+              </a:ext>
+            </a:extLst>
+          </p:cNvPr>
+          <p:cNvSpPr txBox="1"/>
+          <p:nvPr/>
+        </p:nvSpPr>
+        <p:spPr>
+          <a:xfrm>
+            <a:off x="973122" y="2856452"/>
+            <a:ext cx="10515599" cy="3970318"/>
+          </a:xfrm>
+          <a:prstGeom prst="rect">
+            <a:avLst/>
+          </a:prstGeom>
+          <a:noFill/>
+        </p:spPr>
+        <p:txBody>
+          <a:bodyPr wrap="square" rtlCol="0">
+            <a:spAutoFit/>
+          </a:bodyPr>
+          <a:lstStyle/>
+          <a:p>
+            <a:r>
+              <a:rPr lang="es-EC" dirty="0"/>
+              <a:t>Tarea:</a:t>
+            </a:r>
+          </a:p>
+          <a:p>
+            <a:r>
+              <a:rPr lang="es-EC" dirty="0"/>
+              <a:t>Agregar un hijo al menú que creamos en la tarea anterior y una nueva vista en la que se tenga lo siguiente&gt;</a:t>
+            </a:r>
+          </a:p>
+          <a:p>
+            <a:endParaRPr lang="es-EC" b="1" i="1" dirty="0"/>
+          </a:p>
+          <a:p>
+            <a:endParaRPr lang="es-EC" b="1" i="1" dirty="0"/>
+          </a:p>
+          <a:p>
+            <a:endParaRPr lang="es-EC" b="1" i="1" dirty="0"/>
+          </a:p>
+          <a:p>
+            <a:endParaRPr lang="es-EC" b="1" i="1" dirty="0"/>
+          </a:p>
+          <a:p>
+            <a:endParaRPr lang="es-EC" b="1" i="1" dirty="0"/>
+          </a:p>
+          <a:p>
+            <a:endParaRPr lang="es-EC" b="1" i="1" dirty="0"/>
+          </a:p>
+          <a:p>
+            <a:endParaRPr lang="es-EC" b="1" i="1" dirty="0"/>
+          </a:p>
+          <a:p>
+            <a:endParaRPr lang="es-EC" b="1" i="1" dirty="0"/>
+          </a:p>
+          <a:p>
+            <a:endParaRPr lang="es-EC" b="1" i="1" dirty="0"/>
+          </a:p>
+          <a:p>
+            <a:endParaRPr lang="es-EC" b="1" i="1" dirty="0"/>
+          </a:p>
+          <a:p>
+            <a:endParaRPr lang="es-EC" b="1" i="1" dirty="0"/>
+          </a:p>
+          <a:p>
+            <a:r>
+              <a:rPr lang="es-EC" b="1" i="1" dirty="0"/>
+              <a:t>HAS DE LA BANCA MOVIL TU AMIGA…… FAMILIARIZATE CON LA APP, SUS FLUJOS Y PANTALLAS. (PIN 2107)</a:t>
+            </a:r>
+          </a:p>
+        </p:txBody>
+      </p:sp>
+      <p:pic>
+        <p:nvPicPr>
+          <p:cNvPr id="6" name="Picture 5">
+            <a:extLst>
+              <a:ext uri="{FF2B5EF4-FFF2-40B4-BE49-F238E27FC236}">
+                <a16:creationId xmlns:a16="http://schemas.microsoft.com/office/drawing/2014/main" id="{182B811E-EEE3-4027-8FB5-433BF38CE1EF}"/>
+              </a:ext>
+            </a:extLst>
+          </p:cNvPr>
+          <p:cNvPicPr>
+            <a:picLocks noChangeAspect="1"/>
+          </p:cNvPicPr>
+          <p:nvPr/>
+        </p:nvPicPr>
+        <p:blipFill>
+          <a:blip r:embed="rId2"/>
+          <a:stretch>
+            <a:fillRect/>
+          </a:stretch>
+        </p:blipFill>
+        <p:spPr>
+          <a:xfrm>
+            <a:off x="1105665" y="3574615"/>
+            <a:ext cx="2551936" cy="2302029"/>
+          </a:xfrm>
+          <a:prstGeom prst="rect">
+            <a:avLst/>
+          </a:prstGeom>
+        </p:spPr>
+      </p:pic>
+      <p:sp>
+        <p:nvSpPr>
+          <p:cNvPr id="7" name="TextBox 6">
+            <a:extLst>
+              <a:ext uri="{FF2B5EF4-FFF2-40B4-BE49-F238E27FC236}">
+                <a16:creationId xmlns:a16="http://schemas.microsoft.com/office/drawing/2014/main" id="{90074F9F-2432-49B1-A427-D56C11D145B0}"/>
+              </a:ext>
+            </a:extLst>
+          </p:cNvPr>
+          <p:cNvSpPr txBox="1"/>
+          <p:nvPr/>
+        </p:nvSpPr>
+        <p:spPr>
+          <a:xfrm>
+            <a:off x="3917950" y="3817688"/>
+            <a:ext cx="7168385" cy="1815882"/>
+          </a:xfrm>
+          <a:prstGeom prst="rect">
+            <a:avLst/>
+          </a:prstGeom>
+          <a:noFill/>
+        </p:spPr>
+        <p:txBody>
+          <a:bodyPr wrap="square" rtlCol="0">
+            <a:spAutoFit/>
+          </a:bodyPr>
+          <a:lstStyle/>
+          <a:p>
+            <a:pPr marL="285750" indent="-285750">
+              <a:buFont typeface="Arial" panose="020B0604020202020204" pitchFamily="34" charset="0"/>
+              <a:buChar char="•"/>
+            </a:pPr>
+            <a:r>
+              <a:rPr lang="en-US" sz="1400" dirty="0"/>
+              <a:t>Si </a:t>
+            </a:r>
+            <a:r>
+              <a:rPr lang="es-AR" sz="1400" dirty="0"/>
+              <a:t>el</a:t>
+            </a:r>
+            <a:r>
+              <a:rPr lang="en-US" sz="1400" dirty="0"/>
+              <a:t> </a:t>
+            </a:r>
+            <a:r>
+              <a:rPr lang="en-US" sz="1400" i="1" dirty="0" err="1"/>
+              <a:t>registro</a:t>
+            </a:r>
+            <a:r>
+              <a:rPr lang="en-US" sz="1400" dirty="0"/>
+              <a:t> </a:t>
+            </a:r>
+            <a:r>
+              <a:rPr lang="en-US" sz="1400" dirty="0" err="1"/>
+              <a:t>esta</a:t>
+            </a:r>
+            <a:r>
+              <a:rPr lang="en-US" sz="1400" dirty="0"/>
+              <a:t> </a:t>
+            </a:r>
+            <a:r>
+              <a:rPr lang="en-US" sz="1400" dirty="0" err="1"/>
+              <a:t>apagado</a:t>
+            </a:r>
+            <a:r>
+              <a:rPr lang="en-US" sz="1400" dirty="0"/>
+              <a:t> TODO debe </a:t>
+            </a:r>
+            <a:r>
+              <a:rPr lang="en-US" sz="1400" dirty="0" err="1"/>
+              <a:t>bloquearse</a:t>
+            </a:r>
+            <a:r>
+              <a:rPr lang="en-US" sz="1400" dirty="0"/>
+              <a:t>.</a:t>
+            </a:r>
+          </a:p>
+          <a:p>
+            <a:pPr marL="285750" indent="-285750">
+              <a:buFont typeface="Arial" panose="020B0604020202020204" pitchFamily="34" charset="0"/>
+              <a:buChar char="•"/>
+            </a:pPr>
+            <a:r>
+              <a:rPr lang="en-US" sz="1400" dirty="0"/>
+              <a:t>Si </a:t>
+            </a:r>
+            <a:r>
+              <a:rPr lang="en-US" sz="1400" dirty="0" err="1"/>
+              <a:t>el</a:t>
+            </a:r>
+            <a:r>
+              <a:rPr lang="en-US" sz="1400" dirty="0"/>
+              <a:t> </a:t>
+            </a:r>
+            <a:r>
+              <a:rPr lang="en-US" sz="1400" i="1" dirty="0" err="1"/>
+              <a:t>registro</a:t>
+            </a:r>
+            <a:r>
+              <a:rPr lang="en-US" sz="1400" dirty="0"/>
+              <a:t> se </a:t>
+            </a:r>
+            <a:r>
+              <a:rPr lang="en-US" sz="1400" dirty="0" err="1"/>
+              <a:t>activa</a:t>
+            </a:r>
+            <a:r>
+              <a:rPr lang="en-US" sz="1400" dirty="0"/>
+              <a:t> la </a:t>
+            </a:r>
+            <a:r>
+              <a:rPr lang="en-US" sz="1400" i="1" dirty="0" err="1"/>
+              <a:t>fechaDesde</a:t>
+            </a:r>
+            <a:r>
+              <a:rPr lang="en-US" sz="1400" dirty="0"/>
+              <a:t> no </a:t>
+            </a:r>
+            <a:r>
+              <a:rPr lang="en-US" sz="1400" dirty="0" err="1"/>
+              <a:t>puede</a:t>
+            </a:r>
+            <a:r>
+              <a:rPr lang="en-US" sz="1400" dirty="0"/>
+              <a:t> ser </a:t>
+            </a:r>
+            <a:r>
+              <a:rPr lang="en-US" sz="1400" dirty="0" err="1"/>
+              <a:t>menor</a:t>
+            </a:r>
+            <a:r>
+              <a:rPr lang="en-US" sz="1400" dirty="0"/>
+              <a:t> a la </a:t>
+            </a:r>
+            <a:r>
+              <a:rPr lang="en-US" sz="1400" dirty="0" err="1"/>
+              <a:t>fecha</a:t>
+            </a:r>
+            <a:r>
+              <a:rPr lang="en-US" sz="1400" dirty="0"/>
+              <a:t> de HOY y valor por </a:t>
+            </a:r>
+            <a:r>
+              <a:rPr lang="en-US" sz="1400" dirty="0" err="1"/>
+              <a:t>defecto</a:t>
+            </a:r>
+            <a:r>
+              <a:rPr lang="en-US" sz="1400" dirty="0"/>
+              <a:t> debe ser “MAÑANA”.</a:t>
+            </a:r>
+          </a:p>
+          <a:p>
+            <a:pPr marL="285750" indent="-285750">
+              <a:buFont typeface="Arial" panose="020B0604020202020204" pitchFamily="34" charset="0"/>
+              <a:buChar char="•"/>
+            </a:pPr>
+            <a:r>
+              <a:rPr lang="en-US" sz="1400" dirty="0" err="1"/>
+              <a:t>Cuando</a:t>
+            </a:r>
+            <a:r>
+              <a:rPr lang="en-US" sz="1400" dirty="0"/>
+              <a:t> la </a:t>
+            </a:r>
+            <a:r>
+              <a:rPr lang="en-US" sz="1400" i="1" dirty="0" err="1"/>
+              <a:t>fechaDESDE</a:t>
+            </a:r>
+            <a:r>
+              <a:rPr lang="en-US" sz="1400" dirty="0"/>
+              <a:t> se </a:t>
+            </a:r>
+            <a:r>
+              <a:rPr lang="en-US" sz="1400" dirty="0" err="1"/>
+              <a:t>selecciona</a:t>
+            </a:r>
+            <a:r>
+              <a:rPr lang="en-US" sz="1400" dirty="0"/>
+              <a:t>/CAMBIA, la </a:t>
+            </a:r>
+            <a:r>
+              <a:rPr lang="en-US" sz="1400" i="1" dirty="0" err="1"/>
+              <a:t>fechaHASTA</a:t>
+            </a:r>
+            <a:r>
+              <a:rPr lang="en-US" sz="1400" dirty="0"/>
+              <a:t> no </a:t>
+            </a:r>
+            <a:r>
+              <a:rPr lang="en-US" sz="1400" dirty="0" err="1"/>
+              <a:t>puede</a:t>
+            </a:r>
+            <a:r>
+              <a:rPr lang="en-US" sz="1400" dirty="0"/>
+              <a:t> ser </a:t>
+            </a:r>
+            <a:r>
+              <a:rPr lang="en-US" sz="1400" dirty="0" err="1"/>
+              <a:t>menor</a:t>
+            </a:r>
+            <a:r>
+              <a:rPr lang="en-US" sz="1400" dirty="0"/>
+              <a:t> a la </a:t>
+            </a:r>
+            <a:r>
+              <a:rPr lang="en-US" sz="1400" i="1" dirty="0" err="1"/>
+              <a:t>fechaDESDE</a:t>
+            </a:r>
+            <a:r>
+              <a:rPr lang="en-US" sz="1400" dirty="0"/>
+              <a:t> y </a:t>
+            </a:r>
+            <a:r>
+              <a:rPr lang="en-US" sz="1400" dirty="0" err="1"/>
+              <a:t>como</a:t>
+            </a:r>
+            <a:r>
+              <a:rPr lang="en-US" sz="1400" dirty="0"/>
+              <a:t> valor </a:t>
+            </a:r>
+            <a:r>
+              <a:rPr lang="en-US" sz="1400" dirty="0" err="1"/>
+              <a:t>predeterminado</a:t>
+            </a:r>
+            <a:r>
+              <a:rPr lang="en-US" sz="1400" dirty="0"/>
+              <a:t> debe ser 7 días </a:t>
+            </a:r>
+            <a:r>
+              <a:rPr lang="en-US" sz="1400" dirty="0" err="1"/>
+              <a:t>en</a:t>
+            </a:r>
+            <a:r>
+              <a:rPr lang="en-US" sz="1400" dirty="0"/>
+              <a:t> </a:t>
+            </a:r>
+            <a:r>
+              <a:rPr lang="en-US" sz="1400" dirty="0" err="1"/>
+              <a:t>el</a:t>
+            </a:r>
+            <a:r>
+              <a:rPr lang="en-US" sz="1400" dirty="0"/>
+              <a:t> </a:t>
+            </a:r>
+            <a:r>
+              <a:rPr lang="en-US" sz="1400" dirty="0" err="1"/>
+              <a:t>futuro</a:t>
+            </a:r>
+            <a:r>
+              <a:rPr lang="en-US" sz="1400" dirty="0"/>
+              <a:t> a la </a:t>
+            </a:r>
+            <a:r>
+              <a:rPr lang="en-US" sz="1400" i="1" dirty="0" err="1"/>
+              <a:t>fechaDESDE</a:t>
+            </a:r>
+            <a:r>
+              <a:rPr lang="en-US" sz="1400" dirty="0"/>
+              <a:t>.</a:t>
+            </a:r>
+          </a:p>
+          <a:p>
+            <a:pPr marL="285750" indent="-285750">
+              <a:buFont typeface="Arial" panose="020B0604020202020204" pitchFamily="34" charset="0"/>
+              <a:buChar char="•"/>
+            </a:pPr>
+            <a:r>
+              <a:rPr lang="en-US" sz="1400" dirty="0"/>
+              <a:t>El </a:t>
+            </a:r>
+            <a:r>
+              <a:rPr lang="en-US" sz="1400" dirty="0" err="1"/>
+              <a:t>monto</a:t>
+            </a:r>
+            <a:r>
+              <a:rPr lang="en-US" sz="1400" dirty="0"/>
+              <a:t> </a:t>
+            </a:r>
+            <a:r>
+              <a:rPr lang="en-US" sz="1400" dirty="0" err="1"/>
+              <a:t>en</a:t>
+            </a:r>
+            <a:r>
+              <a:rPr lang="en-US" sz="1400" dirty="0"/>
+              <a:t> </a:t>
+            </a:r>
+            <a:r>
+              <a:rPr lang="en-US" sz="1400" dirty="0" err="1"/>
+              <a:t>el</a:t>
+            </a:r>
+            <a:r>
+              <a:rPr lang="en-US" sz="1400" dirty="0"/>
+              <a:t> </a:t>
+            </a:r>
+            <a:r>
+              <a:rPr lang="en-US" sz="1400" i="1" dirty="0"/>
+              <a:t>SLIDER</a:t>
+            </a:r>
+            <a:r>
+              <a:rPr lang="en-US" sz="1400" dirty="0"/>
+              <a:t> debe </a:t>
+            </a:r>
+            <a:r>
+              <a:rPr lang="en-US" sz="1400" dirty="0" err="1"/>
+              <a:t>reflejarse</a:t>
+            </a:r>
+            <a:r>
+              <a:rPr lang="en-US" sz="1400" dirty="0"/>
+              <a:t> </a:t>
+            </a:r>
+            <a:r>
+              <a:rPr lang="en-US" sz="1400" dirty="0" err="1"/>
+              <a:t>en</a:t>
+            </a:r>
+            <a:r>
+              <a:rPr lang="en-US" sz="1400" dirty="0"/>
+              <a:t> </a:t>
+            </a:r>
+            <a:r>
+              <a:rPr lang="en-US" sz="1400" dirty="0" err="1"/>
+              <a:t>el</a:t>
+            </a:r>
+            <a:r>
+              <a:rPr lang="en-US" sz="1400" dirty="0"/>
+              <a:t> </a:t>
+            </a:r>
+            <a:r>
+              <a:rPr lang="en-US" sz="1400" i="1" dirty="0" err="1"/>
+              <a:t>Texto</a:t>
+            </a:r>
+            <a:r>
+              <a:rPr lang="en-US" sz="1400" dirty="0"/>
+              <a:t> inferior </a:t>
+            </a:r>
+            <a:r>
+              <a:rPr lang="en-US" sz="1400" dirty="0" err="1"/>
+              <a:t>conforme</a:t>
+            </a:r>
+            <a:r>
+              <a:rPr lang="en-US" sz="1400" dirty="0"/>
+              <a:t> lo </a:t>
+            </a:r>
+            <a:r>
+              <a:rPr lang="en-US" sz="1400" dirty="0" err="1"/>
+              <a:t>cambio</a:t>
+            </a:r>
+            <a:r>
+              <a:rPr lang="en-US" sz="1400" dirty="0"/>
+              <a:t>.</a:t>
+            </a:r>
+          </a:p>
+          <a:p>
+            <a:pPr marL="285750" indent="-285750">
+              <a:buFont typeface="Arial" panose="020B0604020202020204" pitchFamily="34" charset="0"/>
+              <a:buChar char="•"/>
+            </a:pPr>
+            <a:r>
+              <a:rPr lang="en-US" sz="1400" dirty="0"/>
+              <a:t>Si </a:t>
+            </a:r>
+            <a:r>
+              <a:rPr lang="en-US" sz="1400" dirty="0" err="1"/>
+              <a:t>digito</a:t>
+            </a:r>
+            <a:r>
+              <a:rPr lang="en-US" sz="1400" dirty="0"/>
+              <a:t> un valor </a:t>
+            </a:r>
+            <a:r>
+              <a:rPr lang="en-US" sz="1400" dirty="0" err="1"/>
+              <a:t>en</a:t>
+            </a:r>
+            <a:r>
+              <a:rPr lang="en-US" sz="1400" dirty="0"/>
+              <a:t> </a:t>
+            </a:r>
+            <a:r>
+              <a:rPr lang="en-US" sz="1400" dirty="0" err="1"/>
+              <a:t>el</a:t>
+            </a:r>
+            <a:r>
+              <a:rPr lang="en-US" sz="1400" dirty="0"/>
+              <a:t> </a:t>
+            </a:r>
+            <a:r>
+              <a:rPr lang="en-US" sz="1400" i="1" dirty="0" err="1"/>
+              <a:t>Texto</a:t>
+            </a:r>
+            <a:r>
+              <a:rPr lang="en-US" sz="1400" i="1" dirty="0"/>
+              <a:t>,</a:t>
+            </a:r>
+            <a:r>
+              <a:rPr lang="en-US" sz="1400" dirty="0"/>
+              <a:t> </a:t>
+            </a:r>
+            <a:r>
+              <a:rPr lang="en-US" sz="1400" dirty="0" err="1"/>
+              <a:t>el</a:t>
+            </a:r>
+            <a:r>
+              <a:rPr lang="en-US" sz="1400" dirty="0"/>
+              <a:t> </a:t>
+            </a:r>
+            <a:r>
+              <a:rPr lang="en-US" sz="1400" i="1" dirty="0"/>
+              <a:t>Slider</a:t>
+            </a:r>
+            <a:r>
+              <a:rPr lang="en-US" sz="1400" dirty="0"/>
+              <a:t> debe </a:t>
+            </a:r>
+            <a:r>
+              <a:rPr lang="en-US" sz="1400" dirty="0" err="1"/>
+              <a:t>adoptar</a:t>
+            </a:r>
+            <a:r>
+              <a:rPr lang="en-US" sz="1400" dirty="0"/>
+              <a:t> ese valor.</a:t>
+            </a:r>
+          </a:p>
+          <a:p>
+            <a:pPr marL="285750" indent="-285750">
+              <a:buFont typeface="Arial" panose="020B0604020202020204" pitchFamily="34" charset="0"/>
+              <a:buChar char="•"/>
+            </a:pPr>
+            <a:r>
+              <a:rPr lang="en-US" sz="1400" dirty="0"/>
+              <a:t>Los </a:t>
+            </a:r>
+            <a:r>
+              <a:rPr lang="en-US" sz="1400" dirty="0" err="1"/>
+              <a:t>Límites</a:t>
+            </a:r>
+            <a:r>
+              <a:rPr lang="en-US" sz="1400" dirty="0"/>
+              <a:t> del </a:t>
+            </a:r>
+            <a:r>
+              <a:rPr lang="en-US" sz="1400" i="1" dirty="0"/>
+              <a:t>Slider</a:t>
+            </a:r>
+            <a:r>
+              <a:rPr lang="en-US" sz="1400" dirty="0"/>
+              <a:t> y </a:t>
+            </a:r>
+            <a:r>
+              <a:rPr lang="en-US" sz="1400" i="1" dirty="0" err="1"/>
+              <a:t>Texto</a:t>
+            </a:r>
+            <a:r>
+              <a:rPr lang="en-US" sz="1400" dirty="0"/>
+              <a:t> son 0 y 2000.</a:t>
+            </a:r>
+            <a:endParaRPr lang="es-EC" sz="1400" dirty="0"/>
+          </a:p>
+        </p:txBody>
+      </p:sp>
+      <p:pic>
+        <p:nvPicPr>
+          <p:cNvPr id="1028" name="Picture 4" descr="Saw-jigSaw - Versus Media México | Videojuegos, Cine, Tecnología, TV,  Cultura.">
+            <a:extLst>
+              <a:ext uri="{FF2B5EF4-FFF2-40B4-BE49-F238E27FC236}">
+                <a16:creationId xmlns:a16="http://schemas.microsoft.com/office/drawing/2014/main" id="{1C92AB62-AA76-436E-A7C2-BF811635E09E}"/>
+              </a:ext>
+            </a:extLst>
+          </p:cNvPr>
+          <p:cNvPicPr>
+            <a:picLocks noChangeAspect="1" noChangeArrowheads="1"/>
+          </p:cNvPicPr>
+          <p:nvPr/>
+        </p:nvPicPr>
+        <p:blipFill>
+          <a:blip r:embed="rId3">
+            <a:extLst>
+              <a:ext uri="{28A0092B-C50C-407E-A947-70E740481C1C}">
+                <a14:useLocalDpi xmlns:a14="http://schemas.microsoft.com/office/drawing/2010/main" val="0"/>
+              </a:ext>
+            </a:extLst>
+          </a:blip>
+          <a:srcRect/>
+          <a:stretch>
+            <a:fillRect/>
+          </a:stretch>
+        </p:blipFill>
+        <p:spPr bwMode="auto">
+          <a:xfrm>
+            <a:off x="9058678" y="5311775"/>
+            <a:ext cx="1485900" cy="990600"/>
+          </a:xfrm>
+          <a:prstGeom prst="rect">
+            <a:avLst/>
+          </a:prstGeom>
+          <a:noFill/>
+          <a:extLst>
+            <a:ext uri="{909E8E84-426E-40DD-AFC4-6F175D3DCCD1}">
+              <a14:hiddenFill xmlns:a14="http://schemas.microsoft.com/office/drawing/2010/main">
+                <a:solidFill>
+                  <a:srgbClr val="FFFFFF"/>
+                </a:solidFill>
+              </a14:hiddenFill>
+            </a:ext>
+          </a:extLst>
+        </p:spPr>
+      </p:pic>
     </p:spTree>
     <p:extLst>
       <p:ext uri="{BB962C8B-B14F-4D97-AF65-F5344CB8AC3E}">
@@ -4552,6 +5525,56 @@
         <p:txBody>
           <a:bodyPr/>
           <a:lstStyle/>
+          <a:p>
+            <a:r>
+              <a:rPr lang="en-US" dirty="0" err="1"/>
+              <a:t>Aplicaciones</a:t>
+            </a:r>
+            <a:r>
+              <a:rPr lang="en-US" dirty="0"/>
+              <a:t> </a:t>
+            </a:r>
+            <a:r>
+              <a:rPr lang="en-US" dirty="0" err="1"/>
+              <a:t>Moviles</a:t>
+            </a:r>
+            <a:r>
+              <a:rPr lang="en-US" dirty="0"/>
+              <a:t> Plugins (</a:t>
+            </a:r>
+            <a:r>
+              <a:rPr lang="en-US" dirty="0" err="1"/>
+              <a:t>Descripción</a:t>
+            </a:r>
+            <a:r>
+              <a:rPr lang="en-US" dirty="0"/>
+              <a:t> – </a:t>
+            </a:r>
+            <a:r>
+              <a:rPr lang="en-US" dirty="0" err="1"/>
+              <a:t>instalación</a:t>
+            </a:r>
+            <a:r>
+              <a:rPr lang="en-US" dirty="0"/>
+              <a:t> – </a:t>
+            </a:r>
+            <a:r>
+              <a:rPr lang="en-US" dirty="0" err="1"/>
+              <a:t>uso</a:t>
+            </a:r>
+            <a:r>
+              <a:rPr lang="en-US" dirty="0"/>
+              <a:t> – Casos </a:t>
+            </a:r>
+            <a:r>
+              <a:rPr lang="en-US" dirty="0" err="1"/>
+              <a:t>excepcionales</a:t>
+            </a:r>
+            <a:r>
+              <a:rPr lang="en-US" dirty="0"/>
+              <a:t>)</a:t>
+            </a:r>
+          </a:p>
           <a:p>
             <a:endParaRPr lang="es-EC" dirty="0"/>
           </a:p>

--- a/PPTs/AgendaIntroBM.pptx
+++ b/PPTs/AgendaIntroBM.pptx
@@ -272,7 +272,7 @@
           <a:p>
             <a:fld id="{A711169C-1269-4DF1-8540-261493FD2221}" type="datetimeFigureOut">
               <a:rPr lang="es-EC" smtClean="0"/>
-              <a:t>2021-10-27</a:t>
+              <a:t>2021-10-28</a:t>
             </a:fld>
             <a:endParaRPr lang="es-EC"/>
           </a:p>
@@ -472,7 +472,7 @@
           <a:p>
             <a:fld id="{A711169C-1269-4DF1-8540-261493FD2221}" type="datetimeFigureOut">
               <a:rPr lang="es-EC" smtClean="0"/>
-              <a:t>2021-10-27</a:t>
+              <a:t>2021-10-28</a:t>
             </a:fld>
             <a:endParaRPr lang="es-EC"/>
           </a:p>
@@ -682,7 +682,7 @@
           <a:p>
             <a:fld id="{A711169C-1269-4DF1-8540-261493FD2221}" type="datetimeFigureOut">
               <a:rPr lang="es-EC" smtClean="0"/>
-              <a:t>2021-10-27</a:t>
+              <a:t>2021-10-28</a:t>
             </a:fld>
             <a:endParaRPr lang="es-EC"/>
           </a:p>
@@ -882,7 +882,7 @@
           <a:p>
             <a:fld id="{A711169C-1269-4DF1-8540-261493FD2221}" type="datetimeFigureOut">
               <a:rPr lang="es-EC" smtClean="0"/>
-              <a:t>2021-10-27</a:t>
+              <a:t>2021-10-28</a:t>
             </a:fld>
             <a:endParaRPr lang="es-EC"/>
           </a:p>
@@ -1158,7 +1158,7 @@
           <a:p>
             <a:fld id="{A711169C-1269-4DF1-8540-261493FD2221}" type="datetimeFigureOut">
               <a:rPr lang="es-EC" smtClean="0"/>
-              <a:t>2021-10-27</a:t>
+              <a:t>2021-10-28</a:t>
             </a:fld>
             <a:endParaRPr lang="es-EC"/>
           </a:p>
@@ -1426,7 +1426,7 @@
           <a:p>
             <a:fld id="{A711169C-1269-4DF1-8540-261493FD2221}" type="datetimeFigureOut">
               <a:rPr lang="es-EC" smtClean="0"/>
-              <a:t>2021-10-27</a:t>
+              <a:t>2021-10-28</a:t>
             </a:fld>
             <a:endParaRPr lang="es-EC"/>
           </a:p>
@@ -1841,7 +1841,7 @@
           <a:p>
             <a:fld id="{A711169C-1269-4DF1-8540-261493FD2221}" type="datetimeFigureOut">
               <a:rPr lang="es-EC" smtClean="0"/>
-              <a:t>2021-10-27</a:t>
+              <a:t>2021-10-28</a:t>
             </a:fld>
             <a:endParaRPr lang="es-EC"/>
           </a:p>
@@ -1983,7 +1983,7 @@
           <a:p>
             <a:fld id="{A711169C-1269-4DF1-8540-261493FD2221}" type="datetimeFigureOut">
               <a:rPr lang="es-EC" smtClean="0"/>
-              <a:t>2021-10-27</a:t>
+              <a:t>2021-10-28</a:t>
             </a:fld>
             <a:endParaRPr lang="es-EC"/>
           </a:p>
@@ -2096,7 +2096,7 @@
           <a:p>
             <a:fld id="{A711169C-1269-4DF1-8540-261493FD2221}" type="datetimeFigureOut">
               <a:rPr lang="es-EC" smtClean="0"/>
-              <a:t>2021-10-27</a:t>
+              <a:t>2021-10-28</a:t>
             </a:fld>
             <a:endParaRPr lang="es-EC"/>
           </a:p>
@@ -2409,7 +2409,7 @@
           <a:p>
             <a:fld id="{A711169C-1269-4DF1-8540-261493FD2221}" type="datetimeFigureOut">
               <a:rPr lang="es-EC" smtClean="0"/>
-              <a:t>2021-10-27</a:t>
+              <a:t>2021-10-28</a:t>
             </a:fld>
             <a:endParaRPr lang="es-EC"/>
           </a:p>
@@ -2698,7 +2698,7 @@
           <a:p>
             <a:fld id="{A711169C-1269-4DF1-8540-261493FD2221}" type="datetimeFigureOut">
               <a:rPr lang="es-EC" smtClean="0"/>
-              <a:t>2021-10-27</a:t>
+              <a:t>2021-10-28</a:t>
             </a:fld>
             <a:endParaRPr lang="es-EC"/>
           </a:p>
@@ -2941,7 +2941,7 @@
           <a:p>
             <a:fld id="{A711169C-1269-4DF1-8540-261493FD2221}" type="datetimeFigureOut">
               <a:rPr lang="es-EC" smtClean="0"/>
-              <a:t>2021-10-27</a:t>
+              <a:t>2021-10-28</a:t>
             </a:fld>
             <a:endParaRPr lang="es-EC"/>
           </a:p>
@@ -4172,7 +4172,7 @@
           <a:p>
             <a:r>
               <a:rPr lang="es-EC" dirty="0"/>
-              <a:t>Combo (Tipo Teléfono) cuyos ítems son CELULAR – CONVENCIONAL</a:t>
+              <a:t>Combo (Tipo Teléfono) cuyos ítems son CELULAR(10) – CONVENCIONAL(7)</a:t>
             </a:r>
           </a:p>
           <a:p>
@@ -4190,7 +4190,15 @@
           <a:p>
             <a:r>
               <a:rPr lang="es-EC" dirty="0"/>
-              <a:t>Campo Confirmar Contraseña</a:t>
+              <a:t>Campo Confirmar Contraseña(</a:t>
+            </a:r>
+            <a:r>
+              <a:rPr lang="es-EC" dirty="0" err="1"/>
+              <a:t>Validators</a:t>
+            </a:r>
+            <a:r>
+              <a:rPr lang="es-EC" dirty="0"/>
+              <a:t> ,requerido y de comparación)</a:t>
             </a:r>
           </a:p>
           <a:p>
@@ -4703,7 +4711,23 @@
             </a:r>
             <a:r>
               <a:rPr lang="en-US" dirty="0"/>
-              <a:t> la BM (</a:t>
+              <a:t> la </a:t>
+            </a:r>
+            <a:r>
+              <a:rPr lang="en-US" dirty="0" err="1"/>
+              <a:t>aplicaciones</a:t>
+            </a:r>
+            <a:r>
+              <a:rPr lang="en-US" dirty="0"/>
+              <a:t> </a:t>
+            </a:r>
+            <a:r>
+              <a:rPr lang="en-US" dirty="0" err="1"/>
+              <a:t>Moviles</a:t>
+            </a:r>
+            <a:r>
+              <a:rPr lang="en-US" dirty="0"/>
+              <a:t> (</a:t>
             </a:r>
             <a:r>
               <a:rPr lang="en-US" dirty="0" err="1"/>
@@ -4744,7 +4768,7 @@
           <a:p>
             <a:r>
               <a:rPr lang="es-EC" dirty="0"/>
-              <a:t>Sesión</a:t>
+              <a:t> </a:t>
             </a:r>
           </a:p>
         </p:txBody>

--- a/PPTs/AgendaIntroBM.pptx
+++ b/PPTs/AgendaIntroBM.pptx
@@ -272,7 +272,7 @@
           <a:p>
             <a:fld id="{A711169C-1269-4DF1-8540-261493FD2221}" type="datetimeFigureOut">
               <a:rPr lang="es-EC" smtClean="0"/>
-              <a:t>2021-10-28</a:t>
+              <a:t>2021-10-29</a:t>
             </a:fld>
             <a:endParaRPr lang="es-EC"/>
           </a:p>
@@ -472,7 +472,7 @@
           <a:p>
             <a:fld id="{A711169C-1269-4DF1-8540-261493FD2221}" type="datetimeFigureOut">
               <a:rPr lang="es-EC" smtClean="0"/>
-              <a:t>2021-10-28</a:t>
+              <a:t>2021-10-29</a:t>
             </a:fld>
             <a:endParaRPr lang="es-EC"/>
           </a:p>
@@ -682,7 +682,7 @@
           <a:p>
             <a:fld id="{A711169C-1269-4DF1-8540-261493FD2221}" type="datetimeFigureOut">
               <a:rPr lang="es-EC" smtClean="0"/>
-              <a:t>2021-10-28</a:t>
+              <a:t>2021-10-29</a:t>
             </a:fld>
             <a:endParaRPr lang="es-EC"/>
           </a:p>
@@ -882,7 +882,7 @@
           <a:p>
             <a:fld id="{A711169C-1269-4DF1-8540-261493FD2221}" type="datetimeFigureOut">
               <a:rPr lang="es-EC" smtClean="0"/>
-              <a:t>2021-10-28</a:t>
+              <a:t>2021-10-29</a:t>
             </a:fld>
             <a:endParaRPr lang="es-EC"/>
           </a:p>
@@ -1158,7 +1158,7 @@
           <a:p>
             <a:fld id="{A711169C-1269-4DF1-8540-261493FD2221}" type="datetimeFigureOut">
               <a:rPr lang="es-EC" smtClean="0"/>
-              <a:t>2021-10-28</a:t>
+              <a:t>2021-10-29</a:t>
             </a:fld>
             <a:endParaRPr lang="es-EC"/>
           </a:p>
@@ -1426,7 +1426,7 @@
           <a:p>
             <a:fld id="{A711169C-1269-4DF1-8540-261493FD2221}" type="datetimeFigureOut">
               <a:rPr lang="es-EC" smtClean="0"/>
-              <a:t>2021-10-28</a:t>
+              <a:t>2021-10-29</a:t>
             </a:fld>
             <a:endParaRPr lang="es-EC"/>
           </a:p>
@@ -1841,7 +1841,7 @@
           <a:p>
             <a:fld id="{A711169C-1269-4DF1-8540-261493FD2221}" type="datetimeFigureOut">
               <a:rPr lang="es-EC" smtClean="0"/>
-              <a:t>2021-10-28</a:t>
+              <a:t>2021-10-29</a:t>
             </a:fld>
             <a:endParaRPr lang="es-EC"/>
           </a:p>
@@ -1983,7 +1983,7 @@
           <a:p>
             <a:fld id="{A711169C-1269-4DF1-8540-261493FD2221}" type="datetimeFigureOut">
               <a:rPr lang="es-EC" smtClean="0"/>
-              <a:t>2021-10-28</a:t>
+              <a:t>2021-10-29</a:t>
             </a:fld>
             <a:endParaRPr lang="es-EC"/>
           </a:p>
@@ -2096,7 +2096,7 @@
           <a:p>
             <a:fld id="{A711169C-1269-4DF1-8540-261493FD2221}" type="datetimeFigureOut">
               <a:rPr lang="es-EC" smtClean="0"/>
-              <a:t>2021-10-28</a:t>
+              <a:t>2021-10-29</a:t>
             </a:fld>
             <a:endParaRPr lang="es-EC"/>
           </a:p>
@@ -2409,7 +2409,7 @@
           <a:p>
             <a:fld id="{A711169C-1269-4DF1-8540-261493FD2221}" type="datetimeFigureOut">
               <a:rPr lang="es-EC" smtClean="0"/>
-              <a:t>2021-10-28</a:t>
+              <a:t>2021-10-29</a:t>
             </a:fld>
             <a:endParaRPr lang="es-EC"/>
           </a:p>
@@ -2698,7 +2698,7 @@
           <a:p>
             <a:fld id="{A711169C-1269-4DF1-8540-261493FD2221}" type="datetimeFigureOut">
               <a:rPr lang="es-EC" smtClean="0"/>
-              <a:t>2021-10-28</a:t>
+              <a:t>2021-10-29</a:t>
             </a:fld>
             <a:endParaRPr lang="es-EC"/>
           </a:p>
@@ -2941,7 +2941,7 @@
           <a:p>
             <a:fld id="{A711169C-1269-4DF1-8540-261493FD2221}" type="datetimeFigureOut">
               <a:rPr lang="es-EC" smtClean="0"/>
-              <a:t>2021-10-28</a:t>
+              <a:t>2021-10-29</a:t>
             </a:fld>
             <a:endParaRPr lang="es-EC"/>
           </a:p>
@@ -4349,7 +4349,7 @@
         </p:nvSpPr>
         <p:spPr>
           <a:xfrm>
-            <a:off x="838201" y="1419882"/>
+            <a:off x="838200" y="1419883"/>
             <a:ext cx="9815818" cy="979370"/>
           </a:xfrm>
         </p:spPr>
@@ -4425,7 +4425,7 @@
           <a:p>
             <a:r>
               <a:rPr lang="es-EC" dirty="0"/>
-              <a:t>Agregar un ítem al menú (1 Padre y 1 Hijo) que redirija a una nueva vista donde se presente la lista de Entidades Financieras ACH en el siguiente formato:</a:t>
+              <a:t>Agregar un ítem al menú (1 Padre y 2 Hijos) que redirija a dos nuevas vistas donde en 1 se presente la lista de Entidades Financieras ACH en el siguiente formato:</a:t>
             </a:r>
           </a:p>
           <a:p>
@@ -4595,7 +4595,7 @@
         </p:blipFill>
         <p:spPr>
           <a:xfrm>
-            <a:off x="4598211" y="3080316"/>
+            <a:off x="5750789" y="3107817"/>
             <a:ext cx="1718627" cy="1054062"/>
           </a:xfrm>
           <a:prstGeom prst="rect">

--- a/PPTs/AgendaIntroBM.pptx
+++ b/PPTs/AgendaIntroBM.pptx
@@ -4689,7 +4689,7 @@
         </p:spPr>
         <p:txBody>
           <a:bodyPr>
-            <a:normAutofit fontScale="92500" lnSpcReduction="20000"/>
+            <a:normAutofit/>
           </a:bodyPr>
           <a:lstStyle/>
           <a:p>
@@ -4711,7 +4711,7 @@
             </a:r>
             <a:r>
               <a:rPr lang="en-US" dirty="0"/>
-              <a:t> la </a:t>
+              <a:t> las </a:t>
             </a:r>
             <a:r>
               <a:rPr lang="en-US" dirty="0" err="1"/>
@@ -4723,7 +4723,7 @@
             </a:r>
             <a:r>
               <a:rPr lang="en-US" dirty="0" err="1"/>
-              <a:t>Moviles</a:t>
+              <a:t>Móviles</a:t>
             </a:r>
             <a:r>
               <a:rPr lang="en-US" dirty="0"/>
@@ -4766,10 +4766,7 @@
             </a:r>
           </a:p>
           <a:p>
-            <a:r>
-              <a:rPr lang="es-EC" dirty="0"/>
-              <a:t> </a:t>
-            </a:r>
+            <a:endParaRPr lang="es-EC" dirty="0"/>
           </a:p>
         </p:txBody>
       </p:sp>
@@ -4875,7 +4872,7 @@
         </p:blipFill>
         <p:spPr>
           <a:xfrm>
-            <a:off x="1105665" y="3574615"/>
+            <a:off x="1133836" y="3629534"/>
             <a:ext cx="2551936" cy="2302029"/>
           </a:xfrm>
           <a:prstGeom prst="rect">
@@ -4898,7 +4895,7 @@
         <p:spPr>
           <a:xfrm>
             <a:off x="3917950" y="3817688"/>
-            <a:ext cx="7168385" cy="1815882"/>
+            <a:ext cx="7168385" cy="2031325"/>
           </a:xfrm>
           <a:prstGeom prst="rect">
             <a:avLst/>
@@ -5155,7 +5152,15 @@
             </a:r>
             <a:r>
               <a:rPr lang="en-US" sz="1400" dirty="0" err="1"/>
-              <a:t>monto</a:t>
+              <a:t>viaje</a:t>
+            </a:r>
+            <a:r>
+              <a:rPr lang="en-US" sz="1400" dirty="0"/>
+              <a:t> no </a:t>
+            </a:r>
+            <a:r>
+              <a:rPr lang="en-US" sz="1400" dirty="0" err="1"/>
+              <a:t>puede</a:t>
             </a:r>
             <a:r>
               <a:rPr lang="en-US" sz="1400" dirty="0"/>
@@ -5163,75 +5168,11 @@
             </a:r>
             <a:r>
               <a:rPr lang="en-US" sz="1400" dirty="0" err="1"/>
-              <a:t>en</a:t>
+              <a:t>durar</a:t>
             </a:r>
             <a:r>
               <a:rPr lang="en-US" sz="1400" dirty="0"/>
-              <a:t> </a:t>
-            </a:r>
-            <a:r>
-              <a:rPr lang="en-US" sz="1400" dirty="0" err="1"/>
-              <a:t>el</a:t>
-            </a:r>
-            <a:r>
-              <a:rPr lang="en-US" sz="1400" dirty="0"/>
-              <a:t> </a:t>
-            </a:r>
-            <a:r>
-              <a:rPr lang="en-US" sz="1400" i="1" dirty="0"/>
-              <a:t>SLIDER</a:t>
-            </a:r>
-            <a:r>
-              <a:rPr lang="en-US" sz="1400" dirty="0"/>
-              <a:t> debe </a:t>
-            </a:r>
-            <a:r>
-              <a:rPr lang="en-US" sz="1400" dirty="0" err="1"/>
-              <a:t>reflejarse</a:t>
-            </a:r>
-            <a:r>
-              <a:rPr lang="en-US" sz="1400" dirty="0"/>
-              <a:t> </a:t>
-            </a:r>
-            <a:r>
-              <a:rPr lang="en-US" sz="1400" dirty="0" err="1"/>
-              <a:t>en</a:t>
-            </a:r>
-            <a:r>
-              <a:rPr lang="en-US" sz="1400" dirty="0"/>
-              <a:t> </a:t>
-            </a:r>
-            <a:r>
-              <a:rPr lang="en-US" sz="1400" dirty="0" err="1"/>
-              <a:t>el</a:t>
-            </a:r>
-            <a:r>
-              <a:rPr lang="en-US" sz="1400" dirty="0"/>
-              <a:t> </a:t>
-            </a:r>
-            <a:r>
-              <a:rPr lang="en-US" sz="1400" i="1" dirty="0" err="1"/>
-              <a:t>Texto</a:t>
-            </a:r>
-            <a:r>
-              <a:rPr lang="en-US" sz="1400" dirty="0"/>
-              <a:t> inferior </a:t>
-            </a:r>
-            <a:r>
-              <a:rPr lang="en-US" sz="1400" dirty="0" err="1"/>
-              <a:t>conforme</a:t>
-            </a:r>
-            <a:r>
-              <a:rPr lang="en-US" sz="1400" dirty="0"/>
-              <a:t> lo </a:t>
-            </a:r>
-            <a:r>
-              <a:rPr lang="en-US" sz="1400" dirty="0" err="1"/>
-              <a:t>cambio</a:t>
-            </a:r>
-            <a:r>
-              <a:rPr lang="en-US" sz="1400" dirty="0"/>
-              <a:t>.</a:t>
+              <a:t> mas de 3 meses</a:t>
             </a:r>
           </a:p>
           <a:p>
@@ -5241,11 +5182,101 @@
             </a:pPr>
             <a:r>
               <a:rPr lang="en-US" sz="1400" dirty="0"/>
+              <a:t>El </a:t>
+            </a:r>
+            <a:r>
+              <a:rPr lang="en-US" sz="1400" dirty="0" err="1"/>
+              <a:t>monto</a:t>
+            </a:r>
+            <a:r>
+              <a:rPr lang="en-US" sz="1400" dirty="0"/>
+              <a:t> </a:t>
+            </a:r>
+            <a:r>
+              <a:rPr lang="en-US" sz="1400" dirty="0" err="1"/>
+              <a:t>en</a:t>
+            </a:r>
+            <a:r>
+              <a:rPr lang="en-US" sz="1400" dirty="0"/>
+              <a:t> </a:t>
+            </a:r>
+            <a:r>
+              <a:rPr lang="en-US" sz="1400" dirty="0" err="1"/>
+              <a:t>el</a:t>
+            </a:r>
+            <a:r>
+              <a:rPr lang="en-US" sz="1400" dirty="0"/>
+              <a:t> </a:t>
+            </a:r>
+            <a:r>
+              <a:rPr lang="en-US" sz="1400" i="1" dirty="0"/>
+              <a:t>SLIDER</a:t>
+            </a:r>
+            <a:r>
+              <a:rPr lang="en-US" sz="1400" dirty="0"/>
+              <a:t> debe </a:t>
+            </a:r>
+            <a:r>
+              <a:rPr lang="en-US" sz="1400" dirty="0" err="1"/>
+              <a:t>reflejarse</a:t>
+            </a:r>
+            <a:r>
+              <a:rPr lang="en-US" sz="1400" dirty="0"/>
+              <a:t> </a:t>
+            </a:r>
+            <a:r>
+              <a:rPr lang="en-US" sz="1400" dirty="0" err="1"/>
+              <a:t>en</a:t>
+            </a:r>
+            <a:r>
+              <a:rPr lang="en-US" sz="1400" dirty="0"/>
+              <a:t> </a:t>
+            </a:r>
+            <a:r>
+              <a:rPr lang="en-US" sz="1400" dirty="0" err="1"/>
+              <a:t>el</a:t>
+            </a:r>
+            <a:r>
+              <a:rPr lang="en-US" sz="1400" dirty="0"/>
+              <a:t> </a:t>
+            </a:r>
+            <a:r>
+              <a:rPr lang="en-US" sz="1400" i="1" dirty="0" err="1"/>
+              <a:t>Texto</a:t>
+            </a:r>
+            <a:r>
+              <a:rPr lang="en-US" sz="1400" dirty="0"/>
+              <a:t> inferior </a:t>
+            </a:r>
+            <a:r>
+              <a:rPr lang="en-US" sz="1400" dirty="0" err="1"/>
+              <a:t>conforme</a:t>
+            </a:r>
+            <a:r>
+              <a:rPr lang="en-US" sz="1400" dirty="0"/>
+              <a:t> lo </a:t>
+            </a:r>
+            <a:r>
+              <a:rPr lang="en-US" sz="1400" dirty="0" err="1"/>
+              <a:t>cambio</a:t>
+            </a:r>
+            <a:r>
+              <a:rPr lang="en-US" sz="1400" dirty="0"/>
+              <a:t>.</a:t>
+            </a:r>
+          </a:p>
+          <a:p>
+            <a:pPr marL="285750" indent="-285750">
+              <a:buFont typeface="Arial" panose="020B0604020202020204" pitchFamily="34" charset="0"/>
+              <a:buChar char="•"/>
+            </a:pPr>
+            <a:r>
+              <a:rPr lang="en-US" sz="1400" dirty="0"/>
               <a:t>Si </a:t>
             </a:r>
             <a:r>
               <a:rPr lang="en-US" sz="1400" dirty="0" err="1"/>
-              <a:t>digito</a:t>
+              <a:t>dígito</a:t>
             </a:r>
             <a:r>
               <a:rPr lang="en-US" sz="1400" dirty="0"/>
@@ -5462,12 +5493,17 @@
             <p:ph idx="1"/>
           </p:nvPr>
         </p:nvSpPr>
-        <p:spPr/>
-        <p:txBody>
-          <a:bodyPr/>
-          <a:lstStyle/>
-          <a:p>
-            <a:endParaRPr lang="es-EC"/>
+        <p:spPr>
+          <a:xfrm>
+            <a:off x="838200" y="1825625"/>
+            <a:ext cx="10515600" cy="1325563"/>
+          </a:xfrm>
+        </p:spPr>
+        <p:txBody>
+          <a:bodyPr/>
+          <a:lstStyle/>
+          <a:p>
+            <a:endParaRPr lang="es-EC" dirty="0"/>
           </a:p>
         </p:txBody>
       </p:sp>
